--- a/Documentation/Initial Presentation.pptx
+++ b/Documentation/Initial Presentation.pptx
@@ -4372,13 +4372,13 @@
         </p:nvSpPr>
         <p:spPr>
           <a:xfrm>
-            <a:off x="1672995" y="2578667"/>
-            <a:ext cx="7729728" cy="3101983"/>
+            <a:off x="544530" y="2076793"/>
+            <a:ext cx="11065268" cy="4498668"/>
           </a:xfrm>
         </p:spPr>
         <p:txBody>
           <a:bodyPr>
-            <a:normAutofit fontScale="92500" lnSpcReduction="10000"/>
+            <a:normAutofit/>
           </a:bodyPr>
           <a:lstStyle/>
           <a:p>
@@ -4388,14 +4388,31 @@
             </a:r>
           </a:p>
           <a:p>
-            <a:r>
-              <a:rPr lang="en-GB" dirty="0" err="1"/>
-              <a:t>Node.Js</a:t>
-            </a:r>
-            <a:endParaRPr lang="en-GB" dirty="0"/>
-          </a:p>
-          <a:p>
-            <a:endParaRPr lang="en-GB" dirty="0"/>
+            <a:pPr lvl="1"/>
+            <a:r>
+              <a:rPr lang="en-GB" dirty="0"/>
+              <a:t>Java for navigation and code</a:t>
+            </a:r>
+          </a:p>
+          <a:p>
+            <a:pPr lvl="1"/>
+            <a:r>
+              <a:rPr lang="en-GB" dirty="0"/>
+              <a:t>Xml code for UI</a:t>
+            </a:r>
+          </a:p>
+          <a:p>
+            <a:r>
+              <a:rPr lang="en-GB" dirty="0"/>
+              <a:t>Libraries</a:t>
+            </a:r>
+          </a:p>
+          <a:p>
+            <a:pPr lvl="1"/>
+            <a:r>
+              <a:rPr lang="en-GB" dirty="0"/>
+              <a:t>Node.js</a:t>
+            </a:r>
           </a:p>
           <a:p>
             <a:r>
@@ -4588,7 +4605,7 @@
           <a:p>
             <a:r>
               <a:rPr lang="en-GB" dirty="0"/>
-              <a:t>App Functionality / Design</a:t>
+              <a:t>App Design/Progress</a:t>
             </a:r>
           </a:p>
         </p:txBody>
@@ -4619,28 +4636,36 @@
           <a:bodyPr/>
           <a:lstStyle/>
           <a:p>
+            <a:pPr marL="228600" lvl="1" indent="0">
+              <a:buNone/>
+            </a:pPr>
+            <a:endParaRPr lang="en-GB" dirty="0"/>
+          </a:p>
+          <a:p>
             <a:r>
               <a:rPr lang="en-GB" dirty="0"/>
-              <a:t>Xml code for UI</a:t>
-            </a:r>
-          </a:p>
-          <a:p>
+              <a:t>Design</a:t>
+            </a:r>
+          </a:p>
+          <a:p>
+            <a:pPr lvl="1"/>
             <a:r>
               <a:rPr lang="en-GB" dirty="0"/>
-              <a:t>Java for navigation and code</a:t>
-            </a:r>
-          </a:p>
-          <a:p>
+              <a:t>Minimalistic</a:t>
+            </a:r>
+          </a:p>
+          <a:p>
+            <a:pPr lvl="1"/>
             <a:r>
               <a:rPr lang="en-GB" dirty="0"/>
-              <a:t>Libraries</a:t>
+              <a:t>Simple</a:t>
             </a:r>
           </a:p>
           <a:p>
             <a:pPr lvl="1"/>
             <a:r>
               <a:rPr lang="en-GB" dirty="0"/>
-              <a:t>Node.js</a:t>
+              <a:t>Focus on 2 Main pages</a:t>
             </a:r>
           </a:p>
           <a:p>
@@ -4650,28 +4675,21 @@
           <a:p>
             <a:r>
               <a:rPr lang="en-GB" dirty="0"/>
-              <a:t>Design</a:t>
+              <a:t>Progress</a:t>
             </a:r>
           </a:p>
           <a:p>
             <a:pPr lvl="1"/>
             <a:r>
               <a:rPr lang="en-GB" dirty="0"/>
-              <a:t>Minimalistic</a:t>
+              <a:t>Initial Design complete</a:t>
             </a:r>
           </a:p>
           <a:p>
             <a:pPr lvl="1"/>
             <a:r>
               <a:rPr lang="en-GB" dirty="0"/>
-              <a:t>Simple</a:t>
-            </a:r>
-          </a:p>
-          <a:p>
-            <a:pPr lvl="1"/>
-            <a:r>
-              <a:rPr lang="en-GB" dirty="0"/>
-              <a:t>Focus on 2 Main pages</a:t>
+              <a:t>Server connection still to do</a:t>
             </a:r>
           </a:p>
         </p:txBody>

--- a/Documentation/Initial Presentation.pptx
+++ b/Documentation/Initial Presentation.pptx
@@ -203,7 +203,7 @@
           <a:p>
             <a:fld id="{57132CCB-E25B-C14C-9FC2-B70FA843B63D}" type="datetimeFigureOut">
               <a:rPr lang="en-US" smtClean="0"/>
-              <a:t>2/7/19</a:t>
+              <a:t>2/8/19</a:t>
             </a:fld>
             <a:endParaRPr lang="en-US"/>
           </a:p>
@@ -717,7 +717,7 @@
           <a:p>
             <a:fld id="{47725C7E-594A-344A-9B9E-D8D70AF38485}" type="datetimeFigureOut">
               <a:rPr lang="en-US" smtClean="0"/>
-              <a:t>2/7/19</a:t>
+              <a:t>2/8/19</a:t>
             </a:fld>
             <a:endParaRPr lang="en-US"/>
           </a:p>
@@ -887,7 +887,7 @@
           <a:p>
             <a:fld id="{47725C7E-594A-344A-9B9E-D8D70AF38485}" type="datetimeFigureOut">
               <a:rPr lang="en-US" smtClean="0"/>
-              <a:t>2/7/19</a:t>
+              <a:t>2/8/19</a:t>
             </a:fld>
             <a:endParaRPr lang="en-US"/>
           </a:p>
@@ -1067,7 +1067,7 @@
           <a:p>
             <a:fld id="{47725C7E-594A-344A-9B9E-D8D70AF38485}" type="datetimeFigureOut">
               <a:rPr lang="en-US" smtClean="0"/>
-              <a:t>2/7/19</a:t>
+              <a:t>2/8/19</a:t>
             </a:fld>
             <a:endParaRPr lang="en-US"/>
           </a:p>
@@ -1237,7 +1237,7 @@
           <a:p>
             <a:fld id="{47725C7E-594A-344A-9B9E-D8D70AF38485}" type="datetimeFigureOut">
               <a:rPr lang="en-US" smtClean="0"/>
-              <a:t>2/7/19</a:t>
+              <a:t>2/8/19</a:t>
             </a:fld>
             <a:endParaRPr lang="en-US"/>
           </a:p>
@@ -1505,7 +1505,7 @@
           <a:p>
             <a:fld id="{47725C7E-594A-344A-9B9E-D8D70AF38485}" type="datetimeFigureOut">
               <a:rPr lang="en-US" smtClean="0"/>
-              <a:t>2/7/19</a:t>
+              <a:t>2/8/19</a:t>
             </a:fld>
             <a:endParaRPr lang="en-US"/>
           </a:p>
@@ -1737,7 +1737,7 @@
           <a:p>
             <a:fld id="{47725C7E-594A-344A-9B9E-D8D70AF38485}" type="datetimeFigureOut">
               <a:rPr lang="en-US" smtClean="0"/>
-              <a:t>2/7/19</a:t>
+              <a:t>2/8/19</a:t>
             </a:fld>
             <a:endParaRPr lang="en-US"/>
           </a:p>
@@ -2096,7 +2096,7 @@
           <a:p>
             <a:fld id="{47725C7E-594A-344A-9B9E-D8D70AF38485}" type="datetimeFigureOut">
               <a:rPr lang="en-US" smtClean="0"/>
-              <a:t>2/7/19</a:t>
+              <a:t>2/8/19</a:t>
             </a:fld>
             <a:endParaRPr lang="en-US"/>
           </a:p>
@@ -2237,7 +2237,7 @@
           <a:p>
             <a:fld id="{47725C7E-594A-344A-9B9E-D8D70AF38485}" type="datetimeFigureOut">
               <a:rPr lang="en-US" smtClean="0"/>
-              <a:t>2/7/19</a:t>
+              <a:t>2/8/19</a:t>
             </a:fld>
             <a:endParaRPr lang="en-US"/>
           </a:p>
@@ -2332,7 +2332,7 @@
           <a:p>
             <a:fld id="{47725C7E-594A-344A-9B9E-D8D70AF38485}" type="datetimeFigureOut">
               <a:rPr lang="en-US" smtClean="0"/>
-              <a:t>2/7/19</a:t>
+              <a:t>2/8/19</a:t>
             </a:fld>
             <a:endParaRPr lang="en-US"/>
           </a:p>
@@ -2689,7 +2689,7 @@
           <a:p>
             <a:fld id="{47725C7E-594A-344A-9B9E-D8D70AF38485}" type="datetimeFigureOut">
               <a:rPr lang="en-US" smtClean="0"/>
-              <a:t>2/7/19</a:t>
+              <a:t>2/8/19</a:t>
             </a:fld>
             <a:endParaRPr lang="en-US"/>
           </a:p>
@@ -3046,7 +3046,7 @@
           <a:p>
             <a:fld id="{47725C7E-594A-344A-9B9E-D8D70AF38485}" type="datetimeFigureOut">
               <a:rPr lang="en-US" smtClean="0"/>
-              <a:t>2/7/19</a:t>
+              <a:t>2/8/19</a:t>
             </a:fld>
             <a:endParaRPr lang="en-US"/>
           </a:p>
@@ -3287,7 +3287,7 @@
           <a:p>
             <a:fld id="{47725C7E-594A-344A-9B9E-D8D70AF38485}" type="datetimeFigureOut">
               <a:rPr lang="en-US" smtClean="0"/>
-              <a:t>2/7/19</a:t>
+              <a:t>2/8/19</a:t>
             </a:fld>
             <a:endParaRPr lang="en-US"/>
           </a:p>
@@ -3925,7 +3925,7 @@
           <a:p>
             <a:r>
               <a:rPr lang="en-US" sz="2800" dirty="0"/>
-              <a:t>E.g. Web Server and a Web Server</a:t>
+              <a:t>E.g. Web Server and a Browser</a:t>
             </a:r>
           </a:p>
           <a:p>
@@ -4025,13 +4025,7 @@
           <a:p>
             <a:r>
               <a:rPr lang="en-US" sz="2800" dirty="0"/>
-              <a:t>Support for file versioning</a:t>
-            </a:r>
-          </a:p>
-          <a:p>
-            <a:r>
-              <a:rPr lang="en-US" sz="2800" dirty="0"/>
-              <a:t>Provide file transfer (</a:t>
+              <a:t>Provide delta file transfer (</a:t>
             </a:r>
             <a:r>
               <a:rPr lang="en-US" sz="2800" dirty="0" err="1"/>
@@ -4378,13 +4372,25 @@
         </p:spPr>
         <p:txBody>
           <a:bodyPr>
-            <a:normAutofit fontScale="92500" lnSpcReduction="10000"/>
+            <a:normAutofit fontScale="70000" lnSpcReduction="20000"/>
           </a:bodyPr>
           <a:lstStyle/>
           <a:p>
             <a:r>
               <a:rPr lang="en-GB" dirty="0"/>
               <a:t>Android Studio</a:t>
+            </a:r>
+          </a:p>
+          <a:p>
+            <a:r>
+              <a:rPr lang="en-GB" dirty="0"/>
+              <a:t>Java for navigation and code</a:t>
+            </a:r>
+          </a:p>
+          <a:p>
+            <a:r>
+              <a:rPr lang="en-GB" dirty="0"/>
+              <a:t>XML for UI</a:t>
             </a:r>
           </a:p>
           <a:p>
@@ -4588,7 +4594,7 @@
           <a:p>
             <a:r>
               <a:rPr lang="en-GB" dirty="0"/>
-              <a:t>App Functionality / Design</a:t>
+              <a:t>App progress / Design</a:t>
             </a:r>
           </a:p>
         </p:txBody>
@@ -4619,28 +4625,36 @@
           <a:bodyPr/>
           <a:lstStyle/>
           <a:p>
+            <a:pPr marL="228600" lvl="1" indent="0">
+              <a:buNone/>
+            </a:pPr>
+            <a:endParaRPr lang="en-GB" dirty="0"/>
+          </a:p>
+          <a:p>
             <a:r>
               <a:rPr lang="en-GB" dirty="0"/>
-              <a:t>Xml code for UI</a:t>
-            </a:r>
-          </a:p>
-          <a:p>
+              <a:t>Design</a:t>
+            </a:r>
+          </a:p>
+          <a:p>
+            <a:pPr lvl="1"/>
             <a:r>
               <a:rPr lang="en-GB" dirty="0"/>
-              <a:t>Java for navigation and code</a:t>
-            </a:r>
-          </a:p>
-          <a:p>
+              <a:t>Minimalistic</a:t>
+            </a:r>
+          </a:p>
+          <a:p>
+            <a:pPr lvl="1"/>
             <a:r>
               <a:rPr lang="en-GB" dirty="0"/>
-              <a:t>Libraries</a:t>
+              <a:t>Simple</a:t>
             </a:r>
           </a:p>
           <a:p>
             <a:pPr lvl="1"/>
             <a:r>
               <a:rPr lang="en-GB" dirty="0"/>
-              <a:t>Node.js</a:t>
+              <a:t>Focus on 2 Main pages</a:t>
             </a:r>
           </a:p>
           <a:p>
@@ -4650,28 +4664,35 @@
           <a:p>
             <a:r>
               <a:rPr lang="en-GB" dirty="0"/>
-              <a:t>Design</a:t>
+              <a:t>Progress</a:t>
             </a:r>
           </a:p>
           <a:p>
             <a:pPr lvl="1"/>
             <a:r>
               <a:rPr lang="en-GB" dirty="0"/>
-              <a:t>Minimalistic</a:t>
+              <a:t>Template to work off</a:t>
+            </a:r>
+            <a:br>
+              <a:rPr lang="en-GB" dirty="0"/>
+            </a:br>
+            <a:r>
+              <a:rPr lang="en-GB" dirty="0"/>
+              <a:t>completed</a:t>
             </a:r>
           </a:p>
           <a:p>
             <a:pPr lvl="1"/>
             <a:r>
               <a:rPr lang="en-GB" dirty="0"/>
-              <a:t>Simple</a:t>
-            </a:r>
-          </a:p>
-          <a:p>
-            <a:pPr lvl="1"/>
-            <a:r>
+              <a:t>Connection to server still to </a:t>
+            </a:r>
+            <a:br>
               <a:rPr lang="en-GB" dirty="0"/>
-              <a:t>Focus on 2 Main pages</a:t>
+            </a:br>
+            <a:r>
+              <a:rPr lang="en-GB" dirty="0"/>
+              <a:t>do</a:t>
             </a:r>
           </a:p>
         </p:txBody>
